--- a/docs/songs/days of elijah.pptx
+++ b/docs/songs/days of elijah.pptx
@@ -5,10 +5,10 @@
     <p:sldMasterId id="2147483648" r:id="rId1"/>
   </p:sldMasterIdLst>
   <p:sldIdLst>
-    <p:sldId id="408" r:id="rId2"/>
-    <p:sldId id="409" r:id="rId3"/>
-    <p:sldId id="411" r:id="rId4"/>
-    <p:sldId id="410" r:id="rId5"/>
+    <p:sldId id="1185" r:id="rId2"/>
+    <p:sldId id="1186" r:id="rId3"/>
+    <p:sldId id="1187" r:id="rId4"/>
+    <p:sldId id="1188" r:id="rId5"/>
     <p:sldId id="634" r:id="rId6"/>
     <p:sldId id="637" r:id="rId7"/>
     <p:sldId id="639" r:id="rId8"/>
@@ -313,7 +313,7 @@
             <a:fld id="{26EA1CF3-4A15-4CBF-9A5A-6A56C368BE71}" type="datetimeFigureOut">
               <a:rPr lang="en-GB" smtClean="0"/>
               <a:pPr/>
-              <a:t>03/10/2022</a:t>
+              <a:t>08/06/2024</a:t>
             </a:fld>
             <a:endParaRPr lang="en-GB"/>
           </a:p>
@@ -480,7 +480,7 @@
             <a:fld id="{26EA1CF3-4A15-4CBF-9A5A-6A56C368BE71}" type="datetimeFigureOut">
               <a:rPr lang="en-GB" smtClean="0"/>
               <a:pPr/>
-              <a:t>03/10/2022</a:t>
+              <a:t>08/06/2024</a:t>
             </a:fld>
             <a:endParaRPr lang="en-GB"/>
           </a:p>
@@ -657,7 +657,7 @@
             <a:fld id="{26EA1CF3-4A15-4CBF-9A5A-6A56C368BE71}" type="datetimeFigureOut">
               <a:rPr lang="en-GB" smtClean="0"/>
               <a:pPr/>
-              <a:t>03/10/2022</a:t>
+              <a:t>08/06/2024</a:t>
             </a:fld>
             <a:endParaRPr lang="en-GB"/>
           </a:p>
@@ -824,7 +824,7 @@
             <a:fld id="{26EA1CF3-4A15-4CBF-9A5A-6A56C368BE71}" type="datetimeFigureOut">
               <a:rPr lang="en-GB" smtClean="0"/>
               <a:pPr/>
-              <a:t>03/10/2022</a:t>
+              <a:t>08/06/2024</a:t>
             </a:fld>
             <a:endParaRPr lang="en-GB"/>
           </a:p>
@@ -1067,7 +1067,7 @@
             <a:fld id="{26EA1CF3-4A15-4CBF-9A5A-6A56C368BE71}" type="datetimeFigureOut">
               <a:rPr lang="en-GB" smtClean="0"/>
               <a:pPr/>
-              <a:t>03/10/2022</a:t>
+              <a:t>08/06/2024</a:t>
             </a:fld>
             <a:endParaRPr lang="en-GB"/>
           </a:p>
@@ -1352,7 +1352,7 @@
             <a:fld id="{26EA1CF3-4A15-4CBF-9A5A-6A56C368BE71}" type="datetimeFigureOut">
               <a:rPr lang="en-GB" smtClean="0"/>
               <a:pPr/>
-              <a:t>03/10/2022</a:t>
+              <a:t>08/06/2024</a:t>
             </a:fld>
             <a:endParaRPr lang="en-GB"/>
           </a:p>
@@ -1771,7 +1771,7 @@
             <a:fld id="{26EA1CF3-4A15-4CBF-9A5A-6A56C368BE71}" type="datetimeFigureOut">
               <a:rPr lang="en-GB" smtClean="0"/>
               <a:pPr/>
-              <a:t>03/10/2022</a:t>
+              <a:t>08/06/2024</a:t>
             </a:fld>
             <a:endParaRPr lang="en-GB"/>
           </a:p>
@@ -1886,7 +1886,7 @@
             <a:fld id="{26EA1CF3-4A15-4CBF-9A5A-6A56C368BE71}" type="datetimeFigureOut">
               <a:rPr lang="en-GB" smtClean="0"/>
               <a:pPr/>
-              <a:t>03/10/2022</a:t>
+              <a:t>08/06/2024</a:t>
             </a:fld>
             <a:endParaRPr lang="en-GB"/>
           </a:p>
@@ -1978,7 +1978,7 @@
             <a:fld id="{26EA1CF3-4A15-4CBF-9A5A-6A56C368BE71}" type="datetimeFigureOut">
               <a:rPr lang="en-GB" smtClean="0"/>
               <a:pPr/>
-              <a:t>03/10/2022</a:t>
+              <a:t>08/06/2024</a:t>
             </a:fld>
             <a:endParaRPr lang="en-GB"/>
           </a:p>
@@ -2252,7 +2252,7 @@
             <a:fld id="{26EA1CF3-4A15-4CBF-9A5A-6A56C368BE71}" type="datetimeFigureOut">
               <a:rPr lang="en-GB" smtClean="0"/>
               <a:pPr/>
-              <a:t>03/10/2022</a:t>
+              <a:t>08/06/2024</a:t>
             </a:fld>
             <a:endParaRPr lang="en-GB"/>
           </a:p>
@@ -2502,7 +2502,7 @@
             <a:fld id="{26EA1CF3-4A15-4CBF-9A5A-6A56C368BE71}" type="datetimeFigureOut">
               <a:rPr lang="en-GB" smtClean="0"/>
               <a:pPr/>
-              <a:t>03/10/2022</a:t>
+              <a:t>08/06/2024</a:t>
             </a:fld>
             <a:endParaRPr lang="en-GB"/>
           </a:p>
@@ -2715,7 +2715,7 @@
             <a:fld id="{26EA1CF3-4A15-4CBF-9A5A-6A56C368BE71}" type="datetimeFigureOut">
               <a:rPr lang="en-GB" smtClean="0"/>
               <a:pPr/>
-              <a:t>03/10/2022</a:t>
+              <a:t>08/06/2024</a:t>
             </a:fld>
             <a:endParaRPr lang="en-GB"/>
           </a:p>
@@ -3214,7 +3214,7 @@
         </p:nvSpPr>
         <p:spPr>
           <a:xfrm>
-            <a:off x="323528" y="188640"/>
+            <a:off x="251520" y="692696"/>
             <a:ext cx="8640960" cy="6480720"/>
           </a:xfrm>
         </p:spPr>
@@ -3357,7 +3357,7 @@
         </p:nvSpPr>
         <p:spPr>
           <a:xfrm>
-            <a:off x="323528" y="188640"/>
+            <a:off x="188691" y="764704"/>
             <a:ext cx="8640960" cy="6480720"/>
           </a:xfrm>
         </p:spPr>
@@ -3503,7 +3503,7 @@
         </p:nvSpPr>
         <p:spPr>
           <a:xfrm>
-            <a:off x="323528" y="188640"/>
+            <a:off x="251520" y="692696"/>
             <a:ext cx="8640960" cy="6480720"/>
           </a:xfrm>
         </p:spPr>
@@ -3639,7 +3639,7 @@
         </p:nvSpPr>
         <p:spPr>
           <a:xfrm>
-            <a:off x="323528" y="188640"/>
+            <a:off x="251520" y="764704"/>
             <a:ext cx="8640960" cy="6480720"/>
           </a:xfrm>
         </p:spPr>
@@ -3775,7 +3775,7 @@
         </p:nvSpPr>
         <p:spPr>
           <a:xfrm>
-            <a:off x="323528" y="188640"/>
+            <a:off x="323528" y="692696"/>
             <a:ext cx="8640960" cy="6480720"/>
           </a:xfrm>
         </p:spPr>
@@ -3911,7 +3911,7 @@
         </p:nvSpPr>
         <p:spPr>
           <a:xfrm>
-            <a:off x="323528" y="188640"/>
+            <a:off x="251520" y="836712"/>
             <a:ext cx="8640960" cy="6480720"/>
           </a:xfrm>
         </p:spPr>
@@ -4037,7 +4037,7 @@
         </p:nvSpPr>
         <p:spPr>
           <a:xfrm>
-            <a:off x="323528" y="188640"/>
+            <a:off x="251520" y="836712"/>
             <a:ext cx="8640960" cy="6480720"/>
           </a:xfrm>
         </p:spPr>
@@ -4163,7 +4163,7 @@
         </p:nvSpPr>
         <p:spPr>
           <a:xfrm>
-            <a:off x="323528" y="188640"/>
+            <a:off x="188691" y="692696"/>
             <a:ext cx="8640960" cy="6480720"/>
           </a:xfrm>
         </p:spPr>
@@ -4199,18 +4199,44 @@
                   <a:schemeClr val="bg1"/>
                 </a:solidFill>
               </a:rPr>
-              <a:t>There is no god like Jehovah</a:t>
-            </a:r>
-          </a:p>
-          <a:p>
+              <a:t>There is no god like Je-</a:t>
+            </a:r>
+            <a:r>
+              <a:rPr lang="en-GB" sz="3600" dirty="0" err="1">
+                <a:solidFill>
+                  <a:schemeClr val="bg1"/>
+                </a:solidFill>
+              </a:rPr>
+              <a:t>ho</a:t>
+            </a:r>
             <a:r>
               <a:rPr lang="en-GB" sz="3600" dirty="0">
                 <a:solidFill>
                   <a:schemeClr val="bg1"/>
                 </a:solidFill>
               </a:rPr>
-              <a:t>There is no god like Jehovah (hey)</a:t>
-            </a:r>
+              <a:t>-</a:t>
+            </a:r>
+            <a:r>
+              <a:rPr lang="en-GB" sz="3600" dirty="0" err="1">
+                <a:solidFill>
+                  <a:schemeClr val="bg1"/>
+                </a:solidFill>
+              </a:rPr>
+              <a:t>vah</a:t>
+            </a:r>
+            <a:endParaRPr lang="en-GB" sz="3600" dirty="0">
+              <a:solidFill>
+                <a:schemeClr val="bg1"/>
+              </a:solidFill>
+            </a:endParaRPr>
+          </a:p>
+          <a:p>
+            <a:endParaRPr lang="en-GB" sz="3600" dirty="0">
+              <a:solidFill>
+                <a:schemeClr val="bg1"/>
+              </a:solidFill>
+            </a:endParaRPr>
           </a:p>
         </p:txBody>
       </p:sp>

--- a/docs/songs/days of elijah.pptx
+++ b/docs/songs/days of elijah.pptx
@@ -6,14 +6,17 @@
   </p:sldMasterIdLst>
   <p:sldIdLst>
     <p:sldId id="1185" r:id="rId2"/>
-    <p:sldId id="1186" r:id="rId3"/>
-    <p:sldId id="1187" r:id="rId4"/>
-    <p:sldId id="1188" r:id="rId5"/>
-    <p:sldId id="634" r:id="rId6"/>
-    <p:sldId id="637" r:id="rId7"/>
-    <p:sldId id="639" r:id="rId8"/>
-    <p:sldId id="651" r:id="rId9"/>
-    <p:sldId id="638" r:id="rId10"/>
+    <p:sldId id="1188" r:id="rId3"/>
+    <p:sldId id="1186" r:id="rId4"/>
+    <p:sldId id="1187" r:id="rId5"/>
+    <p:sldId id="1189" r:id="rId6"/>
+    <p:sldId id="639" r:id="rId7"/>
+    <p:sldId id="651" r:id="rId8"/>
+    <p:sldId id="1190" r:id="rId9"/>
+    <p:sldId id="634" r:id="rId10"/>
+    <p:sldId id="637" r:id="rId11"/>
+    <p:sldId id="1191" r:id="rId12"/>
+    <p:sldId id="638" r:id="rId13"/>
   </p:sldIdLst>
   <p:sldSz cx="9144000" cy="6858000" type="screen4x3"/>
   <p:notesSz cx="6858000" cy="9144000"/>
@@ -313,7 +316,7 @@
             <a:fld id="{26EA1CF3-4A15-4CBF-9A5A-6A56C368BE71}" type="datetimeFigureOut">
               <a:rPr lang="en-GB" smtClean="0"/>
               <a:pPr/>
-              <a:t>08/06/2024</a:t>
+              <a:t>06/01/2025</a:t>
             </a:fld>
             <a:endParaRPr lang="en-GB"/>
           </a:p>
@@ -480,7 +483,7 @@
             <a:fld id="{26EA1CF3-4A15-4CBF-9A5A-6A56C368BE71}" type="datetimeFigureOut">
               <a:rPr lang="en-GB" smtClean="0"/>
               <a:pPr/>
-              <a:t>08/06/2024</a:t>
+              <a:t>06/01/2025</a:t>
             </a:fld>
             <a:endParaRPr lang="en-GB"/>
           </a:p>
@@ -657,7 +660,7 @@
             <a:fld id="{26EA1CF3-4A15-4CBF-9A5A-6A56C368BE71}" type="datetimeFigureOut">
               <a:rPr lang="en-GB" smtClean="0"/>
               <a:pPr/>
-              <a:t>08/06/2024</a:t>
+              <a:t>06/01/2025</a:t>
             </a:fld>
             <a:endParaRPr lang="en-GB"/>
           </a:p>
@@ -824,7 +827,7 @@
             <a:fld id="{26EA1CF3-4A15-4CBF-9A5A-6A56C368BE71}" type="datetimeFigureOut">
               <a:rPr lang="en-GB" smtClean="0"/>
               <a:pPr/>
-              <a:t>08/06/2024</a:t>
+              <a:t>06/01/2025</a:t>
             </a:fld>
             <a:endParaRPr lang="en-GB"/>
           </a:p>
@@ -1067,7 +1070,7 @@
             <a:fld id="{26EA1CF3-4A15-4CBF-9A5A-6A56C368BE71}" type="datetimeFigureOut">
               <a:rPr lang="en-GB" smtClean="0"/>
               <a:pPr/>
-              <a:t>08/06/2024</a:t>
+              <a:t>06/01/2025</a:t>
             </a:fld>
             <a:endParaRPr lang="en-GB"/>
           </a:p>
@@ -1352,7 +1355,7 @@
             <a:fld id="{26EA1CF3-4A15-4CBF-9A5A-6A56C368BE71}" type="datetimeFigureOut">
               <a:rPr lang="en-GB" smtClean="0"/>
               <a:pPr/>
-              <a:t>08/06/2024</a:t>
+              <a:t>06/01/2025</a:t>
             </a:fld>
             <a:endParaRPr lang="en-GB"/>
           </a:p>
@@ -1771,7 +1774,7 @@
             <a:fld id="{26EA1CF3-4A15-4CBF-9A5A-6A56C368BE71}" type="datetimeFigureOut">
               <a:rPr lang="en-GB" smtClean="0"/>
               <a:pPr/>
-              <a:t>08/06/2024</a:t>
+              <a:t>06/01/2025</a:t>
             </a:fld>
             <a:endParaRPr lang="en-GB"/>
           </a:p>
@@ -1886,7 +1889,7 @@
             <a:fld id="{26EA1CF3-4A15-4CBF-9A5A-6A56C368BE71}" type="datetimeFigureOut">
               <a:rPr lang="en-GB" smtClean="0"/>
               <a:pPr/>
-              <a:t>08/06/2024</a:t>
+              <a:t>06/01/2025</a:t>
             </a:fld>
             <a:endParaRPr lang="en-GB"/>
           </a:p>
@@ -1978,7 +1981,7 @@
             <a:fld id="{26EA1CF3-4A15-4CBF-9A5A-6A56C368BE71}" type="datetimeFigureOut">
               <a:rPr lang="en-GB" smtClean="0"/>
               <a:pPr/>
-              <a:t>08/06/2024</a:t>
+              <a:t>06/01/2025</a:t>
             </a:fld>
             <a:endParaRPr lang="en-GB"/>
           </a:p>
@@ -2252,7 +2255,7 @@
             <a:fld id="{26EA1CF3-4A15-4CBF-9A5A-6A56C368BE71}" type="datetimeFigureOut">
               <a:rPr lang="en-GB" smtClean="0"/>
               <a:pPr/>
-              <a:t>08/06/2024</a:t>
+              <a:t>06/01/2025</a:t>
             </a:fld>
             <a:endParaRPr lang="en-GB"/>
           </a:p>
@@ -2502,7 +2505,7 @@
             <a:fld id="{26EA1CF3-4A15-4CBF-9A5A-6A56C368BE71}" type="datetimeFigureOut">
               <a:rPr lang="en-GB" smtClean="0"/>
               <a:pPr/>
-              <a:t>08/06/2024</a:t>
+              <a:t>06/01/2025</a:t>
             </a:fld>
             <a:endParaRPr lang="en-GB"/>
           </a:p>
@@ -2715,7 +2718,7 @@
             <a:fld id="{26EA1CF3-4A15-4CBF-9A5A-6A56C368BE71}" type="datetimeFigureOut">
               <a:rPr lang="en-GB" smtClean="0"/>
               <a:pPr/>
-              <a:t>08/06/2024</a:t>
+              <a:t>06/01/2025</a:t>
             </a:fld>
             <a:endParaRPr lang="en-GB"/>
           </a:p>
@@ -3185,6 +3188,448 @@
 </p:sld>
 </file>
 
+<file path=ppt/slides/slide10.xml><?xml version="1.0" encoding="utf-8"?>
+<p:sld xmlns:a="http://schemas.openxmlformats.org/drawingml/2006/main" xmlns:r="http://schemas.openxmlformats.org/officeDocument/2006/relationships" xmlns:p="http://schemas.openxmlformats.org/presentationml/2006/main">
+  <p:cSld>
+    <p:spTree>
+      <p:nvGrpSpPr>
+        <p:cNvPr id="1" name=""/>
+        <p:cNvGrpSpPr/>
+        <p:nvPr/>
+      </p:nvGrpSpPr>
+      <p:grpSpPr>
+        <a:xfrm>
+          <a:off x="0" y="0"/>
+          <a:ext cx="0" cy="0"/>
+          <a:chOff x="0" y="0"/>
+          <a:chExt cx="0" cy="0"/>
+        </a:xfrm>
+      </p:grpSpPr>
+      <p:sp>
+        <p:nvSpPr>
+          <p:cNvPr id="3" name="Subtitle 2"/>
+          <p:cNvSpPr>
+            <a:spLocks noGrp="1"/>
+          </p:cNvSpPr>
+          <p:nvPr>
+            <p:ph type="subTitle" idx="1"/>
+          </p:nvPr>
+        </p:nvSpPr>
+        <p:spPr>
+          <a:xfrm>
+            <a:off x="323528" y="692696"/>
+            <a:ext cx="8640960" cy="6480720"/>
+          </a:xfrm>
+        </p:spPr>
+        <p:txBody>
+          <a:bodyPr>
+            <a:noAutofit/>
+          </a:bodyPr>
+          <a:lstStyle/>
+          <a:p>
+            <a:r>
+              <a:rPr lang="en-GB" sz="3600" dirty="0">
+                <a:solidFill>
+                  <a:schemeClr val="bg1"/>
+                </a:solidFill>
+              </a:rPr>
+              <a:t>And these are the days of the harvest</a:t>
+            </a:r>
+          </a:p>
+          <a:p>
+            <a:r>
+              <a:rPr lang="en-GB" sz="3600" dirty="0">
+                <a:solidFill>
+                  <a:schemeClr val="bg1"/>
+                </a:solidFill>
+              </a:rPr>
+              <a:t>The fields are as white in the world</a:t>
+            </a:r>
+          </a:p>
+          <a:p>
+            <a:r>
+              <a:rPr lang="en-GB" sz="3600" dirty="0">
+                <a:solidFill>
+                  <a:schemeClr val="bg1"/>
+                </a:solidFill>
+              </a:rPr>
+              <a:t>And we are the labourers</a:t>
+            </a:r>
+          </a:p>
+          <a:p>
+            <a:r>
+              <a:rPr lang="en-GB" sz="3600" dirty="0">
+                <a:solidFill>
+                  <a:schemeClr val="bg1"/>
+                </a:solidFill>
+              </a:rPr>
+              <a:t>In Your vineyard</a:t>
+            </a:r>
+          </a:p>
+          <a:p>
+            <a:r>
+              <a:rPr lang="en-GB" sz="3600" dirty="0">
+                <a:solidFill>
+                  <a:schemeClr val="bg1"/>
+                </a:solidFill>
+              </a:rPr>
+              <a:t>Declaring the Word of the Lord</a:t>
+            </a:r>
+          </a:p>
+        </p:txBody>
+      </p:sp>
+      <p:sp>
+        <p:nvSpPr>
+          <p:cNvPr id="4" name="TextBox 3"/>
+          <p:cNvSpPr txBox="1"/>
+          <p:nvPr/>
+        </p:nvSpPr>
+        <p:spPr>
+          <a:xfrm>
+            <a:off x="8316416" y="-42193"/>
+            <a:ext cx="784189" cy="461665"/>
+          </a:xfrm>
+          <a:prstGeom prst="rect">
+            <a:avLst/>
+          </a:prstGeom>
+          <a:noFill/>
+        </p:spPr>
+        <p:txBody>
+          <a:bodyPr wrap="none" rtlCol="0">
+            <a:spAutoFit/>
+          </a:bodyPr>
+          <a:lstStyle/>
+          <a:p>
+            <a:r>
+              <a:rPr lang="en-GB" sz="2400" b="1" dirty="0">
+                <a:solidFill>
+                  <a:schemeClr val="bg1"/>
+                </a:solidFill>
+              </a:rPr>
+              <a:t>9/11</a:t>
+            </a:r>
+          </a:p>
+        </p:txBody>
+      </p:sp>
+    </p:spTree>
+    <p:extLst>
+      <p:ext uri="{BB962C8B-B14F-4D97-AF65-F5344CB8AC3E}">
+        <p14:creationId xmlns:p14="http://schemas.microsoft.com/office/powerpoint/2010/main" val="3123359502"/>
+      </p:ext>
+    </p:extLst>
+  </p:cSld>
+  <p:clrMapOvr>
+    <a:masterClrMapping/>
+  </p:clrMapOvr>
+</p:sld>
+</file>
+
+<file path=ppt/slides/slide11.xml><?xml version="1.0" encoding="utf-8"?>
+<p:sld xmlns:a="http://schemas.openxmlformats.org/drawingml/2006/main" xmlns:r="http://schemas.openxmlformats.org/officeDocument/2006/relationships" xmlns:p="http://schemas.openxmlformats.org/presentationml/2006/main">
+  <p:cSld>
+    <p:spTree>
+      <p:nvGrpSpPr>
+        <p:cNvPr id="1" name="">
+          <a:extLst>
+            <a:ext uri="{FF2B5EF4-FFF2-40B4-BE49-F238E27FC236}">
+              <a16:creationId xmlns:a16="http://schemas.microsoft.com/office/drawing/2014/main" id="{9DFEBBF5-1319-AA4D-4010-E59C99E30A55}"/>
+            </a:ext>
+          </a:extLst>
+        </p:cNvPr>
+        <p:cNvGrpSpPr/>
+        <p:nvPr/>
+      </p:nvGrpSpPr>
+      <p:grpSpPr>
+        <a:xfrm>
+          <a:off x="0" y="0"/>
+          <a:ext cx="0" cy="0"/>
+          <a:chOff x="0" y="0"/>
+          <a:chExt cx="0" cy="0"/>
+        </a:xfrm>
+      </p:grpSpPr>
+      <p:sp>
+        <p:nvSpPr>
+          <p:cNvPr id="3" name="Subtitle 2">
+            <a:extLst>
+              <a:ext uri="{FF2B5EF4-FFF2-40B4-BE49-F238E27FC236}">
+                <a16:creationId xmlns:a16="http://schemas.microsoft.com/office/drawing/2014/main" id="{F2FDF651-570C-C9AD-6177-16890F874ABD}"/>
+              </a:ext>
+            </a:extLst>
+          </p:cNvPr>
+          <p:cNvSpPr>
+            <a:spLocks noGrp="1"/>
+          </p:cNvSpPr>
+          <p:nvPr>
+            <p:ph type="subTitle" idx="1"/>
+          </p:nvPr>
+        </p:nvSpPr>
+        <p:spPr>
+          <a:xfrm>
+            <a:off x="251520" y="692696"/>
+            <a:ext cx="8640960" cy="6480720"/>
+          </a:xfrm>
+        </p:spPr>
+        <p:txBody>
+          <a:bodyPr>
+            <a:noAutofit/>
+          </a:bodyPr>
+          <a:lstStyle/>
+          <a:p>
+            <a:r>
+              <a:rPr lang="en-GB" sz="3600" dirty="0">
+                <a:solidFill>
+                  <a:schemeClr val="bg1"/>
+                </a:solidFill>
+              </a:rPr>
+              <a:t>Behold He comes, riding on the clouds</a:t>
+            </a:r>
+          </a:p>
+          <a:p>
+            <a:r>
+              <a:rPr lang="en-GB" sz="3600" dirty="0">
+                <a:solidFill>
+                  <a:schemeClr val="bg1"/>
+                </a:solidFill>
+              </a:rPr>
+              <a:t>Shining like the sun, at the trumpet call</a:t>
+            </a:r>
+          </a:p>
+          <a:p>
+            <a:r>
+              <a:rPr lang="en-GB" sz="3600" dirty="0">
+                <a:solidFill>
+                  <a:schemeClr val="bg1"/>
+                </a:solidFill>
+              </a:rPr>
+              <a:t>So lift your voice, it's the year of Jubilee</a:t>
+            </a:r>
+          </a:p>
+          <a:p>
+            <a:r>
+              <a:rPr lang="en-GB" sz="3600" dirty="0">
+                <a:solidFill>
+                  <a:schemeClr val="bg1"/>
+                </a:solidFill>
+              </a:rPr>
+              <a:t>And out of Zion's hill</a:t>
+            </a:r>
+          </a:p>
+          <a:p>
+            <a:r>
+              <a:rPr lang="en-GB" sz="3600" dirty="0">
+                <a:solidFill>
+                  <a:schemeClr val="bg1"/>
+                </a:solidFill>
+              </a:rPr>
+              <a:t>Salvation comes</a:t>
+            </a:r>
+          </a:p>
+        </p:txBody>
+      </p:sp>
+      <p:sp>
+        <p:nvSpPr>
+          <p:cNvPr id="4" name="TextBox 3">
+            <a:extLst>
+              <a:ext uri="{FF2B5EF4-FFF2-40B4-BE49-F238E27FC236}">
+                <a16:creationId xmlns:a16="http://schemas.microsoft.com/office/drawing/2014/main" id="{B2104F1D-8FCB-762D-1FBA-7F85FB746A0B}"/>
+              </a:ext>
+            </a:extLst>
+          </p:cNvPr>
+          <p:cNvSpPr txBox="1"/>
+          <p:nvPr/>
+        </p:nvSpPr>
+        <p:spPr>
+          <a:xfrm>
+            <a:off x="8233934" y="0"/>
+            <a:ext cx="939681" cy="461665"/>
+          </a:xfrm>
+          <a:prstGeom prst="rect">
+            <a:avLst/>
+          </a:prstGeom>
+          <a:noFill/>
+        </p:spPr>
+        <p:txBody>
+          <a:bodyPr wrap="none" rtlCol="0">
+            <a:spAutoFit/>
+          </a:bodyPr>
+          <a:lstStyle/>
+          <a:p>
+            <a:r>
+              <a:rPr lang="en-GB" sz="2400" b="1" dirty="0">
+                <a:solidFill>
+                  <a:schemeClr val="bg1"/>
+                </a:solidFill>
+              </a:rPr>
+              <a:t>10/11</a:t>
+            </a:r>
+          </a:p>
+        </p:txBody>
+      </p:sp>
+    </p:spTree>
+    <p:extLst>
+      <p:ext uri="{BB962C8B-B14F-4D97-AF65-F5344CB8AC3E}">
+        <p14:creationId xmlns:p14="http://schemas.microsoft.com/office/powerpoint/2010/main" val="430259950"/>
+      </p:ext>
+    </p:extLst>
+  </p:cSld>
+  <p:clrMapOvr>
+    <a:masterClrMapping/>
+  </p:clrMapOvr>
+</p:sld>
+</file>
+
+<file path=ppt/slides/slide12.xml><?xml version="1.0" encoding="utf-8"?>
+<p:sld xmlns:a="http://schemas.openxmlformats.org/drawingml/2006/main" xmlns:r="http://schemas.openxmlformats.org/officeDocument/2006/relationships" xmlns:p="http://schemas.openxmlformats.org/presentationml/2006/main">
+  <p:cSld>
+    <p:spTree>
+      <p:nvGrpSpPr>
+        <p:cNvPr id="1" name=""/>
+        <p:cNvGrpSpPr/>
+        <p:nvPr/>
+      </p:nvGrpSpPr>
+      <p:grpSpPr>
+        <a:xfrm>
+          <a:off x="0" y="0"/>
+          <a:ext cx="0" cy="0"/>
+          <a:chOff x="0" y="0"/>
+          <a:chExt cx="0" cy="0"/>
+        </a:xfrm>
+      </p:grpSpPr>
+      <p:sp>
+        <p:nvSpPr>
+          <p:cNvPr id="3" name="Subtitle 2"/>
+          <p:cNvSpPr>
+            <a:spLocks noGrp="1"/>
+          </p:cNvSpPr>
+          <p:nvPr>
+            <p:ph type="subTitle" idx="1"/>
+          </p:nvPr>
+        </p:nvSpPr>
+        <p:spPr>
+          <a:xfrm>
+            <a:off x="188691" y="692696"/>
+            <a:ext cx="8640960" cy="6480720"/>
+          </a:xfrm>
+        </p:spPr>
+        <p:txBody>
+          <a:bodyPr>
+            <a:noAutofit/>
+          </a:bodyPr>
+          <a:lstStyle/>
+          <a:p>
+            <a:r>
+              <a:rPr lang="en-GB" sz="3600" dirty="0">
+                <a:solidFill>
+                  <a:schemeClr val="bg1"/>
+                </a:solidFill>
+              </a:rPr>
+              <a:t>There is no god like Jehovah</a:t>
+            </a:r>
+          </a:p>
+          <a:p>
+            <a:r>
+              <a:rPr lang="en-GB" sz="3600" dirty="0">
+                <a:solidFill>
+                  <a:schemeClr val="bg1"/>
+                </a:solidFill>
+              </a:rPr>
+              <a:t>There is no god like Jehovah</a:t>
+            </a:r>
+          </a:p>
+          <a:p>
+            <a:r>
+              <a:rPr lang="en-GB" sz="3600" dirty="0">
+                <a:solidFill>
+                  <a:schemeClr val="bg1"/>
+                </a:solidFill>
+              </a:rPr>
+              <a:t>There is no god like Je-</a:t>
+            </a:r>
+            <a:r>
+              <a:rPr lang="en-GB" sz="3600" dirty="0" err="1">
+                <a:solidFill>
+                  <a:schemeClr val="bg1"/>
+                </a:solidFill>
+              </a:rPr>
+              <a:t>ho</a:t>
+            </a:r>
+            <a:r>
+              <a:rPr lang="en-GB" sz="3600" dirty="0">
+                <a:solidFill>
+                  <a:schemeClr val="bg1"/>
+                </a:solidFill>
+              </a:rPr>
+              <a:t>-</a:t>
+            </a:r>
+            <a:r>
+              <a:rPr lang="en-GB" sz="3600" dirty="0" err="1">
+                <a:solidFill>
+                  <a:schemeClr val="bg1"/>
+                </a:solidFill>
+              </a:rPr>
+              <a:t>vah</a:t>
+            </a:r>
+            <a:endParaRPr lang="en-GB" sz="3600" dirty="0">
+              <a:solidFill>
+                <a:schemeClr val="bg1"/>
+              </a:solidFill>
+            </a:endParaRPr>
+          </a:p>
+          <a:p>
+            <a:endParaRPr lang="en-GB" sz="3600" dirty="0">
+              <a:solidFill>
+                <a:schemeClr val="bg1"/>
+              </a:solidFill>
+            </a:endParaRPr>
+          </a:p>
+        </p:txBody>
+      </p:sp>
+      <p:sp>
+        <p:nvSpPr>
+          <p:cNvPr id="4" name="TextBox 3"/>
+          <p:cNvSpPr txBox="1"/>
+          <p:nvPr/>
+        </p:nvSpPr>
+        <p:spPr>
+          <a:xfrm>
+            <a:off x="8244408" y="-42193"/>
+            <a:ext cx="939681" cy="461665"/>
+          </a:xfrm>
+          <a:prstGeom prst="rect">
+            <a:avLst/>
+          </a:prstGeom>
+          <a:noFill/>
+        </p:spPr>
+        <p:txBody>
+          <a:bodyPr wrap="none" rtlCol="0">
+            <a:spAutoFit/>
+          </a:bodyPr>
+          <a:lstStyle/>
+          <a:p>
+            <a:r>
+              <a:rPr lang="en-GB" sz="2400" b="1" dirty="0">
+                <a:solidFill>
+                  <a:schemeClr val="bg1"/>
+                </a:solidFill>
+              </a:rPr>
+              <a:t>11/11</a:t>
+            </a:r>
+          </a:p>
+        </p:txBody>
+      </p:sp>
+    </p:spTree>
+    <p:extLst>
+      <p:ext uri="{BB962C8B-B14F-4D97-AF65-F5344CB8AC3E}">
+        <p14:creationId xmlns:p14="http://schemas.microsoft.com/office/powerpoint/2010/main" val="3696665895"/>
+      </p:ext>
+    </p:extLst>
+  </p:cSld>
+  <p:clrMapOvr>
+    <a:masterClrMapping/>
+  </p:clrMapOvr>
+</p:sld>
+</file>
+
 <file path=ppt/slides/slide2.xml><?xml version="1.0" encoding="utf-8"?>
 <p:sld xmlns:a="http://schemas.openxmlformats.org/drawingml/2006/main" xmlns:r="http://schemas.openxmlformats.org/officeDocument/2006/relationships" xmlns:p="http://schemas.openxmlformats.org/presentationml/2006/main">
   <p:cSld>
@@ -3225,60 +3670,53 @@
           <a:lstStyle/>
           <a:p>
             <a:r>
-              <a:rPr lang="en-GB" sz="4000" dirty="0">
-                <a:solidFill>
-                  <a:schemeClr val="bg1"/>
-                </a:solidFill>
-              </a:rPr>
-              <a:t>These are the days of Elijah</a:t>
-            </a:r>
-          </a:p>
-          <a:p>
-            <a:r>
-              <a:rPr lang="en-GB" sz="4000" dirty="0">
-                <a:solidFill>
-                  <a:schemeClr val="bg1"/>
-                </a:solidFill>
-              </a:rPr>
-              <a:t>Declaring the Word of the Lord</a:t>
-            </a:r>
-          </a:p>
-          <a:p>
-            <a:r>
-              <a:rPr lang="en-GB" sz="4000" dirty="0">
-                <a:solidFill>
-                  <a:schemeClr val="bg1"/>
-                </a:solidFill>
-              </a:rPr>
-              <a:t>And these are the days</a:t>
-            </a:r>
-          </a:p>
-          <a:p>
-            <a:r>
-              <a:rPr lang="en-GB" sz="4000" dirty="0">
-                <a:solidFill>
-                  <a:schemeClr val="bg1"/>
-                </a:solidFill>
-              </a:rPr>
-              <a:t>Of Your servant Moses</a:t>
-            </a:r>
-          </a:p>
-          <a:p>
-            <a:r>
-              <a:rPr lang="en-GB" sz="4000" dirty="0">
-                <a:solidFill>
-                  <a:schemeClr val="bg1"/>
-                </a:solidFill>
-              </a:rPr>
-              <a:t>Righteousness being restored</a:t>
-            </a:r>
-          </a:p>
-          <a:p>
-            <a:endParaRPr lang="en-GB" sz="4000" dirty="0">
-              <a:solidFill>
-                <a:schemeClr val="bg1"/>
-              </a:solidFill>
-            </a:endParaRPr>
+              <a:rPr lang="en-GB" sz="3600" dirty="0">
+                <a:solidFill>
+                  <a:schemeClr val="bg1"/>
+                </a:solidFill>
+              </a:rPr>
+              <a:t>Behold He comes, riding on the clouds</a:t>
+            </a:r>
+          </a:p>
+          <a:p>
+            <a:r>
+              <a:rPr lang="en-GB" sz="3600" dirty="0">
+                <a:solidFill>
+                  <a:schemeClr val="bg1"/>
+                </a:solidFill>
+              </a:rPr>
+              <a:t>Shining like the sun, at the trumpet call</a:t>
+            </a:r>
+          </a:p>
+          <a:p>
+            <a:r>
+              <a:rPr lang="en-GB" sz="3600" dirty="0">
+                <a:solidFill>
+                  <a:schemeClr val="bg1"/>
+                </a:solidFill>
+              </a:rPr>
+              <a:t>So lift your voice, it's the year of Jubilee</a:t>
+            </a:r>
+          </a:p>
+          <a:p>
+            <a:r>
+              <a:rPr lang="en-GB" sz="3600" dirty="0">
+                <a:solidFill>
+                  <a:schemeClr val="bg1"/>
+                </a:solidFill>
+              </a:rPr>
+              <a:t>And out of Zion's hill</a:t>
+            </a:r>
+          </a:p>
+          <a:p>
+            <a:r>
+              <a:rPr lang="en-GB" sz="3600" dirty="0">
+                <a:solidFill>
+                  <a:schemeClr val="bg1"/>
+                </a:solidFill>
+              </a:rPr>
+              <a:t>Salvation comes</a:t>
+            </a:r>
           </a:p>
         </p:txBody>
       </p:sp>
@@ -3290,8 +3728,8 @@
         </p:nvSpPr>
         <p:spPr>
           <a:xfrm>
-            <a:off x="8529729" y="0"/>
-            <a:ext cx="628698" cy="461665"/>
+            <a:off x="8362854" y="44624"/>
+            <a:ext cx="784189" cy="461665"/>
           </a:xfrm>
           <a:prstGeom prst="rect">
             <a:avLst/>
@@ -3310,7 +3748,7 @@
                   <a:schemeClr val="bg1"/>
                 </a:solidFill>
               </a:rPr>
-              <a:t>1/8</a:t>
+              <a:t>1/11</a:t>
             </a:r>
           </a:p>
         </p:txBody>
@@ -3318,7 +3756,7 @@
     </p:spTree>
     <p:extLst>
       <p:ext uri="{BB962C8B-B14F-4D97-AF65-F5344CB8AC3E}">
-        <p14:creationId xmlns:p14="http://schemas.microsoft.com/office/powerpoint/2010/main" val="3351016632"/>
+        <p14:creationId xmlns:p14="http://schemas.microsoft.com/office/powerpoint/2010/main" val="1390909831"/>
       </p:ext>
     </p:extLst>
   </p:cSld>
@@ -3357,7 +3795,7 @@
         </p:nvSpPr>
         <p:spPr>
           <a:xfrm>
-            <a:off x="188691" y="764704"/>
+            <a:off x="251520" y="692696"/>
             <a:ext cx="8640960" cy="6480720"/>
           </a:xfrm>
         </p:spPr>
@@ -3368,63 +3806,60 @@
           <a:lstStyle/>
           <a:p>
             <a:r>
-              <a:rPr lang="en-GB" sz="3600" dirty="0">
-                <a:solidFill>
-                  <a:schemeClr val="bg1"/>
-                </a:solidFill>
-              </a:rPr>
-              <a:t>And though these are days</a:t>
-            </a:r>
-          </a:p>
-          <a:p>
-            <a:r>
-              <a:rPr lang="en-GB" sz="3600" dirty="0">
-                <a:solidFill>
-                  <a:schemeClr val="bg1"/>
-                </a:solidFill>
-              </a:rPr>
-              <a:t>Of great trials</a:t>
-            </a:r>
-          </a:p>
-          <a:p>
-            <a:r>
-              <a:rPr lang="en-GB" sz="3600" dirty="0">
-                <a:solidFill>
-                  <a:schemeClr val="bg1"/>
-                </a:solidFill>
-              </a:rPr>
-              <a:t>Of famine and darkness and sword</a:t>
-            </a:r>
-          </a:p>
-          <a:p>
-            <a:r>
-              <a:rPr lang="en-GB" sz="3600" dirty="0">
-                <a:solidFill>
-                  <a:schemeClr val="bg1"/>
-                </a:solidFill>
-              </a:rPr>
-              <a:t>Still we are the voice</a:t>
-            </a:r>
-          </a:p>
-          <a:p>
-            <a:r>
-              <a:rPr lang="en-GB" sz="3600" dirty="0">
-                <a:solidFill>
-                  <a:schemeClr val="bg1"/>
-                </a:solidFill>
-              </a:rPr>
-              <a:t>In the desert crying</a:t>
-            </a:r>
-          </a:p>
-          <a:p>
-            <a:r>
-              <a:rPr lang="en-GB" sz="3600" dirty="0">
-                <a:solidFill>
-                  <a:schemeClr val="bg1"/>
-                </a:solidFill>
-              </a:rPr>
-              <a:t>Prepare ye the way of the Lord</a:t>
-            </a:r>
+              <a:rPr lang="en-GB" sz="4000" dirty="0">
+                <a:solidFill>
+                  <a:schemeClr val="bg1"/>
+                </a:solidFill>
+              </a:rPr>
+              <a:t>These are the days of Elijah</a:t>
+            </a:r>
+          </a:p>
+          <a:p>
+            <a:r>
+              <a:rPr lang="en-GB" sz="4000" dirty="0">
+                <a:solidFill>
+                  <a:schemeClr val="bg1"/>
+                </a:solidFill>
+              </a:rPr>
+              <a:t>Declaring the Word of the Lord</a:t>
+            </a:r>
+          </a:p>
+          <a:p>
+            <a:r>
+              <a:rPr lang="en-GB" sz="4000" dirty="0">
+                <a:solidFill>
+                  <a:schemeClr val="bg1"/>
+                </a:solidFill>
+              </a:rPr>
+              <a:t>And these are the days</a:t>
+            </a:r>
+          </a:p>
+          <a:p>
+            <a:r>
+              <a:rPr lang="en-GB" sz="4000" dirty="0">
+                <a:solidFill>
+                  <a:schemeClr val="bg1"/>
+                </a:solidFill>
+              </a:rPr>
+              <a:t>Of Your servant Moses</a:t>
+            </a:r>
+          </a:p>
+          <a:p>
+            <a:r>
+              <a:rPr lang="en-GB" sz="4000" dirty="0">
+                <a:solidFill>
+                  <a:schemeClr val="bg1"/>
+                </a:solidFill>
+              </a:rPr>
+              <a:t>Righteousness being restored</a:t>
+            </a:r>
+          </a:p>
+          <a:p>
+            <a:endParaRPr lang="en-GB" sz="4000" dirty="0">
+              <a:solidFill>
+                <a:schemeClr val="bg1"/>
+              </a:solidFill>
+            </a:endParaRPr>
           </a:p>
         </p:txBody>
       </p:sp>
@@ -3436,8 +3871,8 @@
         </p:nvSpPr>
         <p:spPr>
           <a:xfrm>
-            <a:off x="8515302" y="-42193"/>
-            <a:ext cx="628698" cy="461665"/>
+            <a:off x="8500385" y="0"/>
+            <a:ext cx="784189" cy="461665"/>
           </a:xfrm>
           <a:prstGeom prst="rect">
             <a:avLst/>
@@ -3456,7 +3891,7 @@
                   <a:schemeClr val="bg1"/>
                 </a:solidFill>
               </a:rPr>
-              <a:t>2/8</a:t>
+              <a:t>2/11</a:t>
             </a:r>
           </a:p>
         </p:txBody>
@@ -3464,7 +3899,7 @@
     </p:spTree>
     <p:extLst>
       <p:ext uri="{BB962C8B-B14F-4D97-AF65-F5344CB8AC3E}">
-        <p14:creationId xmlns:p14="http://schemas.microsoft.com/office/powerpoint/2010/main" val="1994284343"/>
+        <p14:creationId xmlns:p14="http://schemas.microsoft.com/office/powerpoint/2010/main" val="3351016632"/>
       </p:ext>
     </p:extLst>
   </p:cSld>
@@ -3503,7 +3938,7 @@
         </p:nvSpPr>
         <p:spPr>
           <a:xfrm>
-            <a:off x="251520" y="692696"/>
+            <a:off x="188691" y="764704"/>
             <a:ext cx="8640960" cy="6480720"/>
           </a:xfrm>
         </p:spPr>
@@ -3519,7 +3954,7 @@
                   <a:schemeClr val="bg1"/>
                 </a:solidFill>
               </a:rPr>
-              <a:t>Behold He comes, riding on the clouds</a:t>
+              <a:t>And though these are days</a:t>
             </a:r>
           </a:p>
           <a:p>
@@ -3529,7 +3964,7 @@
                   <a:schemeClr val="bg1"/>
                 </a:solidFill>
               </a:rPr>
-              <a:t>Shining like the sun, at the trumpet call</a:t>
+              <a:t>Of great trials</a:t>
             </a:r>
           </a:p>
           <a:p>
@@ -3539,7 +3974,7 @@
                   <a:schemeClr val="bg1"/>
                 </a:solidFill>
               </a:rPr>
-              <a:t>So lift your voice, it's the year of Jubilee</a:t>
+              <a:t>Of famine and darkness and sword</a:t>
             </a:r>
           </a:p>
           <a:p>
@@ -3549,7 +3984,7 @@
                   <a:schemeClr val="bg1"/>
                 </a:solidFill>
               </a:rPr>
-              <a:t>And out of Zion's hill</a:t>
+              <a:t>Still we are the voice</a:t>
             </a:r>
           </a:p>
           <a:p>
@@ -3559,7 +3994,17 @@
                   <a:schemeClr val="bg1"/>
                 </a:solidFill>
               </a:rPr>
-              <a:t>Salvation comes</a:t>
+              <a:t>In the desert crying</a:t>
+            </a:r>
+          </a:p>
+          <a:p>
+            <a:r>
+              <a:rPr lang="en-GB" sz="3600" dirty="0">
+                <a:solidFill>
+                  <a:schemeClr val="bg1"/>
+                </a:solidFill>
+              </a:rPr>
+              <a:t>Prepare ye the way of the Lord</a:t>
             </a:r>
           </a:p>
         </p:txBody>
@@ -3572,8 +4017,8 @@
         </p:nvSpPr>
         <p:spPr>
           <a:xfrm>
-            <a:off x="8529729" y="0"/>
-            <a:ext cx="628698" cy="461665"/>
+            <a:off x="8316416" y="0"/>
+            <a:ext cx="784189" cy="461665"/>
           </a:xfrm>
           <a:prstGeom prst="rect">
             <a:avLst/>
@@ -3592,7 +4037,7 @@
                   <a:schemeClr val="bg1"/>
                 </a:solidFill>
               </a:rPr>
-              <a:t>3/8</a:t>
+              <a:t>3/11</a:t>
             </a:r>
           </a:p>
         </p:txBody>
@@ -3600,7 +4045,7 @@
     </p:spTree>
     <p:extLst>
       <p:ext uri="{BB962C8B-B14F-4D97-AF65-F5344CB8AC3E}">
-        <p14:creationId xmlns:p14="http://schemas.microsoft.com/office/powerpoint/2010/main" val="1390909831"/>
+        <p14:creationId xmlns:p14="http://schemas.microsoft.com/office/powerpoint/2010/main" val="1994284343"/>
       </p:ext>
     </p:extLst>
   </p:cSld>
@@ -3615,7 +4060,13 @@
   <p:cSld>
     <p:spTree>
       <p:nvGrpSpPr>
-        <p:cNvPr id="1" name=""/>
+        <p:cNvPr id="1" name="">
+          <a:extLst>
+            <a:ext uri="{FF2B5EF4-FFF2-40B4-BE49-F238E27FC236}">
+              <a16:creationId xmlns:a16="http://schemas.microsoft.com/office/drawing/2014/main" id="{10E5224C-6032-E84C-DBA2-054EA33C77B2}"/>
+            </a:ext>
+          </a:extLst>
+        </p:cNvPr>
         <p:cNvGrpSpPr/>
         <p:nvPr/>
       </p:nvGrpSpPr>
@@ -3629,7 +4080,13 @@
       </p:grpSpPr>
       <p:sp>
         <p:nvSpPr>
-          <p:cNvPr id="3" name="Subtitle 2"/>
+          <p:cNvPr id="3" name="Subtitle 2">
+            <a:extLst>
+              <a:ext uri="{FF2B5EF4-FFF2-40B4-BE49-F238E27FC236}">
+                <a16:creationId xmlns:a16="http://schemas.microsoft.com/office/drawing/2014/main" id="{12824376-B0ED-42B0-1677-497702C41EC2}"/>
+              </a:ext>
+            </a:extLst>
+          </p:cNvPr>
           <p:cNvSpPr>
             <a:spLocks noGrp="1"/>
           </p:cNvSpPr>
@@ -3639,7 +4096,7 @@
         </p:nvSpPr>
         <p:spPr>
           <a:xfrm>
-            <a:off x="251520" y="764704"/>
+            <a:off x="251520" y="692696"/>
             <a:ext cx="8640960" cy="6480720"/>
           </a:xfrm>
         </p:spPr>
@@ -3655,7 +4112,7 @@
                   <a:schemeClr val="bg1"/>
                 </a:solidFill>
               </a:rPr>
-              <a:t>And these are the days of Ezekiel</a:t>
+              <a:t>Behold He comes, riding on the clouds</a:t>
             </a:r>
           </a:p>
           <a:p>
@@ -3665,7 +4122,7 @@
                   <a:schemeClr val="bg1"/>
                 </a:solidFill>
               </a:rPr>
-              <a:t>The dry bones becoming as flesh</a:t>
+              <a:t>Shining like the sun, at the trumpet call</a:t>
             </a:r>
           </a:p>
           <a:p>
@@ -3675,7 +4132,7 @@
                   <a:schemeClr val="bg1"/>
                 </a:solidFill>
               </a:rPr>
-              <a:t>And these are the days</a:t>
+              <a:t>So lift your voice, it's the year of Jubilee</a:t>
             </a:r>
           </a:p>
           <a:p>
@@ -3685,7 +4142,7 @@
                   <a:schemeClr val="bg1"/>
                 </a:solidFill>
               </a:rPr>
-              <a:t>Of Your servant David</a:t>
+              <a:t>And out of Zion's hill</a:t>
             </a:r>
           </a:p>
           <a:p>
@@ -3695,21 +4152,27 @@
                   <a:schemeClr val="bg1"/>
                 </a:solidFill>
               </a:rPr>
-              <a:t>Rebuilding a temple of praise</a:t>
-            </a:r>
-          </a:p>
-        </p:txBody>
-      </p:sp>
-      <p:sp>
-        <p:nvSpPr>
-          <p:cNvPr id="4" name="TextBox 3"/>
+              <a:t>Salvation comes</a:t>
+            </a:r>
+          </a:p>
+        </p:txBody>
+      </p:sp>
+      <p:sp>
+        <p:nvSpPr>
+          <p:cNvPr id="4" name="TextBox 3">
+            <a:extLst>
+              <a:ext uri="{FF2B5EF4-FFF2-40B4-BE49-F238E27FC236}">
+                <a16:creationId xmlns:a16="http://schemas.microsoft.com/office/drawing/2014/main" id="{05950AB3-EEFB-54EC-A5E1-7316148C1024}"/>
+              </a:ext>
+            </a:extLst>
+          </p:cNvPr>
           <p:cNvSpPr txBox="1"/>
           <p:nvPr/>
         </p:nvSpPr>
         <p:spPr>
           <a:xfrm>
-            <a:off x="8515302" y="-42193"/>
-            <a:ext cx="628698" cy="461665"/>
+            <a:off x="8388424" y="0"/>
+            <a:ext cx="784189" cy="461665"/>
           </a:xfrm>
           <a:prstGeom prst="rect">
             <a:avLst/>
@@ -3728,7 +4191,7 @@
                   <a:schemeClr val="bg1"/>
                 </a:solidFill>
               </a:rPr>
-              <a:t>4/8</a:t>
+              <a:t>4/11</a:t>
             </a:r>
           </a:p>
         </p:txBody>
@@ -3736,7 +4199,7 @@
     </p:spTree>
     <p:extLst>
       <p:ext uri="{BB962C8B-B14F-4D97-AF65-F5344CB8AC3E}">
-        <p14:creationId xmlns:p14="http://schemas.microsoft.com/office/powerpoint/2010/main" val="3386586575"/>
+        <p14:creationId xmlns:p14="http://schemas.microsoft.com/office/powerpoint/2010/main" val="4234579599"/>
       </p:ext>
     </p:extLst>
   </p:cSld>
@@ -3775,7 +4238,7 @@
         </p:nvSpPr>
         <p:spPr>
           <a:xfrm>
-            <a:off x="323528" y="692696"/>
+            <a:off x="251520" y="836712"/>
             <a:ext cx="8640960" cy="6480720"/>
           </a:xfrm>
         </p:spPr>
@@ -3786,52 +4249,42 @@
           <a:lstStyle/>
           <a:p>
             <a:r>
-              <a:rPr lang="en-GB" sz="3600" dirty="0">
-                <a:solidFill>
-                  <a:schemeClr val="bg1"/>
-                </a:solidFill>
-              </a:rPr>
-              <a:t>And these are the days of the harvest</a:t>
-            </a:r>
-          </a:p>
-          <a:p>
-            <a:r>
-              <a:rPr lang="en-GB" sz="3600" dirty="0">
-                <a:solidFill>
-                  <a:schemeClr val="bg1"/>
-                </a:solidFill>
-              </a:rPr>
-              <a:t>The fields are as white in the world</a:t>
-            </a:r>
-          </a:p>
-          <a:p>
-            <a:r>
-              <a:rPr lang="en-GB" sz="3600" dirty="0">
-                <a:solidFill>
-                  <a:schemeClr val="bg1"/>
-                </a:solidFill>
-              </a:rPr>
-              <a:t>And we are the labourers</a:t>
-            </a:r>
-          </a:p>
-          <a:p>
-            <a:r>
-              <a:rPr lang="en-GB" sz="3600" dirty="0">
-                <a:solidFill>
-                  <a:schemeClr val="bg1"/>
-                </a:solidFill>
-              </a:rPr>
-              <a:t>In Your vineyard</a:t>
-            </a:r>
-          </a:p>
-          <a:p>
-            <a:r>
-              <a:rPr lang="en-GB" sz="3600" dirty="0">
-                <a:solidFill>
-                  <a:schemeClr val="bg1"/>
-                </a:solidFill>
-              </a:rPr>
-              <a:t>Declaring the Word of the Lord</a:t>
+              <a:rPr lang="en-GB" dirty="0">
+                <a:solidFill>
+                  <a:schemeClr val="bg1"/>
+                </a:solidFill>
+              </a:rPr>
+              <a:t>These are the days of Rebekah,</a:t>
+            </a:r>
+          </a:p>
+          <a:p>
+            <a:r>
+              <a:rPr lang="en-GB" dirty="0">
+                <a:solidFill>
+                  <a:schemeClr val="bg1"/>
+                </a:solidFill>
+              </a:rPr>
+              <a:t>Who trusted the word of the Lord.</a:t>
+            </a:r>
+          </a:p>
+          <a:p>
+            <a:r>
+              <a:rPr lang="en-GB" dirty="0">
+                <a:solidFill>
+                  <a:schemeClr val="bg1"/>
+                </a:solidFill>
+              </a:rPr>
+              <a:t>And these are the days of your servant Deborah,</a:t>
+            </a:r>
+          </a:p>
+          <a:p>
+            <a:r>
+              <a:rPr lang="en-GB" dirty="0">
+                <a:solidFill>
+                  <a:schemeClr val="bg1"/>
+                </a:solidFill>
+              </a:rPr>
+              <a:t>Who led forth your people in war.</a:t>
             </a:r>
           </a:p>
         </p:txBody>
@@ -3844,8 +4297,8 @@
         </p:nvSpPr>
         <p:spPr>
           <a:xfrm>
-            <a:off x="8515302" y="-42193"/>
-            <a:ext cx="628698" cy="461665"/>
+            <a:off x="8388424" y="-42193"/>
+            <a:ext cx="784189" cy="461665"/>
           </a:xfrm>
           <a:prstGeom prst="rect">
             <a:avLst/>
@@ -3864,7 +4317,7 @@
                   <a:schemeClr val="bg1"/>
                 </a:solidFill>
               </a:rPr>
-              <a:t>5/8</a:t>
+              <a:t>5/11</a:t>
             </a:r>
           </a:p>
         </p:txBody>
@@ -3872,7 +4325,7 @@
     </p:spTree>
     <p:extLst>
       <p:ext uri="{BB962C8B-B14F-4D97-AF65-F5344CB8AC3E}">
-        <p14:creationId xmlns:p14="http://schemas.microsoft.com/office/powerpoint/2010/main" val="3123359502"/>
+        <p14:creationId xmlns:p14="http://schemas.microsoft.com/office/powerpoint/2010/main" val="282815792"/>
       </p:ext>
     </p:extLst>
   </p:cSld>
@@ -3927,7 +4380,7 @@
                   <a:schemeClr val="bg1"/>
                 </a:solidFill>
               </a:rPr>
-              <a:t>These are the days of Rebekah,</a:t>
+              <a:t>These are the days of Queen Esther,</a:t>
             </a:r>
           </a:p>
           <a:p>
@@ -3937,7 +4390,7 @@
                   <a:schemeClr val="bg1"/>
                 </a:solidFill>
               </a:rPr>
-              <a:t>Who trusted the word of the Lord.</a:t>
+              <a:t>Who rescued God’s people through faith.</a:t>
             </a:r>
           </a:p>
           <a:p>
@@ -3947,7 +4400,7 @@
                   <a:schemeClr val="bg1"/>
                 </a:solidFill>
               </a:rPr>
-              <a:t>And these are the days of your servant Deborah,</a:t>
+              <a:t>And these are the days of your prophet Huldah,</a:t>
             </a:r>
           </a:p>
           <a:p>
@@ -3957,7 +4410,7 @@
                   <a:schemeClr val="bg1"/>
                 </a:solidFill>
               </a:rPr>
-              <a:t>Who led forth your people in war.</a:t>
+              <a:t>Who renewed the temple of praise.</a:t>
             </a:r>
           </a:p>
         </p:txBody>
@@ -3970,8 +4423,8 @@
         </p:nvSpPr>
         <p:spPr>
           <a:xfrm>
-            <a:off x="8515302" y="-42193"/>
-            <a:ext cx="628698" cy="461665"/>
+            <a:off x="8388424" y="-42193"/>
+            <a:ext cx="784189" cy="461665"/>
           </a:xfrm>
           <a:prstGeom prst="rect">
             <a:avLst/>
@@ -3990,7 +4443,7 @@
                   <a:schemeClr val="bg1"/>
                 </a:solidFill>
               </a:rPr>
-              <a:t>6/8</a:t>
+              <a:t>6/11</a:t>
             </a:r>
           </a:p>
         </p:txBody>
@@ -3998,7 +4451,7 @@
     </p:spTree>
     <p:extLst>
       <p:ext uri="{BB962C8B-B14F-4D97-AF65-F5344CB8AC3E}">
-        <p14:creationId xmlns:p14="http://schemas.microsoft.com/office/powerpoint/2010/main" val="282815792"/>
+        <p14:creationId xmlns:p14="http://schemas.microsoft.com/office/powerpoint/2010/main" val="3299916746"/>
       </p:ext>
     </p:extLst>
   </p:cSld>
@@ -4013,7 +4466,13 @@
   <p:cSld>
     <p:spTree>
       <p:nvGrpSpPr>
-        <p:cNvPr id="1" name=""/>
+        <p:cNvPr id="1" name="">
+          <a:extLst>
+            <a:ext uri="{FF2B5EF4-FFF2-40B4-BE49-F238E27FC236}">
+              <a16:creationId xmlns:a16="http://schemas.microsoft.com/office/drawing/2014/main" id="{EB9B4711-38E5-9C98-58BD-7A64CD35AAEC}"/>
+            </a:ext>
+          </a:extLst>
+        </p:cNvPr>
         <p:cNvGrpSpPr/>
         <p:nvPr/>
       </p:nvGrpSpPr>
@@ -4027,7 +4486,13 @@
       </p:grpSpPr>
       <p:sp>
         <p:nvSpPr>
-          <p:cNvPr id="3" name="Subtitle 2"/>
+          <p:cNvPr id="3" name="Subtitle 2">
+            <a:extLst>
+              <a:ext uri="{FF2B5EF4-FFF2-40B4-BE49-F238E27FC236}">
+                <a16:creationId xmlns:a16="http://schemas.microsoft.com/office/drawing/2014/main" id="{6A361E7A-FDE2-13E2-2EBC-75077677E4AF}"/>
+              </a:ext>
+            </a:extLst>
+          </p:cNvPr>
           <p:cNvSpPr>
             <a:spLocks noGrp="1"/>
           </p:cNvSpPr>
@@ -4037,7 +4502,7 @@
         </p:nvSpPr>
         <p:spPr>
           <a:xfrm>
-            <a:off x="251520" y="836712"/>
+            <a:off x="251520" y="692696"/>
             <a:ext cx="8640960" cy="6480720"/>
           </a:xfrm>
         </p:spPr>
@@ -4048,56 +4513,72 @@
           <a:lstStyle/>
           <a:p>
             <a:r>
-              <a:rPr lang="en-GB" dirty="0">
-                <a:solidFill>
-                  <a:schemeClr val="bg1"/>
-                </a:solidFill>
-              </a:rPr>
-              <a:t>These are the days of Queen Esther,</a:t>
-            </a:r>
-          </a:p>
-          <a:p>
-            <a:r>
-              <a:rPr lang="en-GB" dirty="0">
-                <a:solidFill>
-                  <a:schemeClr val="bg1"/>
-                </a:solidFill>
-              </a:rPr>
-              <a:t>Who rescued God’s people through faith.</a:t>
-            </a:r>
-          </a:p>
-          <a:p>
-            <a:r>
-              <a:rPr lang="en-GB" dirty="0">
-                <a:solidFill>
-                  <a:schemeClr val="bg1"/>
-                </a:solidFill>
-              </a:rPr>
-              <a:t>And these are the days of your prophet Huldah,</a:t>
-            </a:r>
-          </a:p>
-          <a:p>
-            <a:r>
-              <a:rPr lang="en-GB" dirty="0">
-                <a:solidFill>
-                  <a:schemeClr val="bg1"/>
-                </a:solidFill>
-              </a:rPr>
-              <a:t>Who renewed the temple of praise.</a:t>
-            </a:r>
-          </a:p>
-        </p:txBody>
-      </p:sp>
-      <p:sp>
-        <p:nvSpPr>
-          <p:cNvPr id="4" name="TextBox 3"/>
+              <a:rPr lang="en-GB" sz="3600" dirty="0">
+                <a:solidFill>
+                  <a:schemeClr val="bg1"/>
+                </a:solidFill>
+              </a:rPr>
+              <a:t>Behold He comes, riding on the clouds</a:t>
+            </a:r>
+          </a:p>
+          <a:p>
+            <a:r>
+              <a:rPr lang="en-GB" sz="3600" dirty="0">
+                <a:solidFill>
+                  <a:schemeClr val="bg1"/>
+                </a:solidFill>
+              </a:rPr>
+              <a:t>Shining like the sun, at the trumpet call</a:t>
+            </a:r>
+          </a:p>
+          <a:p>
+            <a:r>
+              <a:rPr lang="en-GB" sz="3600" dirty="0">
+                <a:solidFill>
+                  <a:schemeClr val="bg1"/>
+                </a:solidFill>
+              </a:rPr>
+              <a:t>So lift your voice, it's the year of Jubilee</a:t>
+            </a:r>
+          </a:p>
+          <a:p>
+            <a:r>
+              <a:rPr lang="en-GB" sz="3600" dirty="0">
+                <a:solidFill>
+                  <a:schemeClr val="bg1"/>
+                </a:solidFill>
+              </a:rPr>
+              <a:t>And out of Zion's hill</a:t>
+            </a:r>
+          </a:p>
+          <a:p>
+            <a:r>
+              <a:rPr lang="en-GB" sz="3600" dirty="0">
+                <a:solidFill>
+                  <a:schemeClr val="bg1"/>
+                </a:solidFill>
+              </a:rPr>
+              <a:t>Salvation comes</a:t>
+            </a:r>
+          </a:p>
+        </p:txBody>
+      </p:sp>
+      <p:sp>
+        <p:nvSpPr>
+          <p:cNvPr id="4" name="TextBox 3">
+            <a:extLst>
+              <a:ext uri="{FF2B5EF4-FFF2-40B4-BE49-F238E27FC236}">
+                <a16:creationId xmlns:a16="http://schemas.microsoft.com/office/drawing/2014/main" id="{1B2C1704-B605-2FB3-6D5A-20DC4E9C3D12}"/>
+              </a:ext>
+            </a:extLst>
+          </p:cNvPr>
           <p:cNvSpPr txBox="1"/>
           <p:nvPr/>
         </p:nvSpPr>
         <p:spPr>
           <a:xfrm>
-            <a:off x="8515302" y="-42193"/>
-            <a:ext cx="628698" cy="461665"/>
+            <a:off x="8388424" y="0"/>
+            <a:ext cx="784189" cy="461665"/>
           </a:xfrm>
           <a:prstGeom prst="rect">
             <a:avLst/>
@@ -4116,7 +4597,7 @@
                   <a:schemeClr val="bg1"/>
                 </a:solidFill>
               </a:rPr>
-              <a:t>7/8</a:t>
+              <a:t>7/11</a:t>
             </a:r>
           </a:p>
         </p:txBody>
@@ -4124,7 +4605,7 @@
     </p:spTree>
     <p:extLst>
       <p:ext uri="{BB962C8B-B14F-4D97-AF65-F5344CB8AC3E}">
-        <p14:creationId xmlns:p14="http://schemas.microsoft.com/office/powerpoint/2010/main" val="3299916746"/>
+        <p14:creationId xmlns:p14="http://schemas.microsoft.com/office/powerpoint/2010/main" val="3681423185"/>
       </p:ext>
     </p:extLst>
   </p:cSld>
@@ -4163,7 +4644,7 @@
         </p:nvSpPr>
         <p:spPr>
           <a:xfrm>
-            <a:off x="188691" y="692696"/>
+            <a:off x="251520" y="764704"/>
             <a:ext cx="8640960" cy="6480720"/>
           </a:xfrm>
         </p:spPr>
@@ -4179,7 +4660,7 @@
                   <a:schemeClr val="bg1"/>
                 </a:solidFill>
               </a:rPr>
-              <a:t>There is no god like Jehovah</a:t>
+              <a:t>And these are the days of Ezekiel</a:t>
             </a:r>
           </a:p>
           <a:p>
@@ -4189,7 +4670,7 @@
                   <a:schemeClr val="bg1"/>
                 </a:solidFill>
               </a:rPr>
-              <a:t>There is no god like Jehovah</a:t>
+              <a:t>The dry bones becoming as flesh</a:t>
             </a:r>
           </a:p>
           <a:p>
@@ -4199,44 +4680,28 @@
                   <a:schemeClr val="bg1"/>
                 </a:solidFill>
               </a:rPr>
-              <a:t>There is no god like Je-</a:t>
-            </a:r>
-            <a:r>
-              <a:rPr lang="en-GB" sz="3600" dirty="0" err="1">
-                <a:solidFill>
-                  <a:schemeClr val="bg1"/>
-                </a:solidFill>
-              </a:rPr>
-              <a:t>ho</a:t>
-            </a:r>
+              <a:t>And these are the days</a:t>
+            </a:r>
+          </a:p>
+          <a:p>
             <a:r>
               <a:rPr lang="en-GB" sz="3600" dirty="0">
                 <a:solidFill>
                   <a:schemeClr val="bg1"/>
                 </a:solidFill>
               </a:rPr>
-              <a:t>-</a:t>
-            </a:r>
-            <a:r>
-              <a:rPr lang="en-GB" sz="3600" dirty="0" err="1">
-                <a:solidFill>
-                  <a:schemeClr val="bg1"/>
-                </a:solidFill>
-              </a:rPr>
-              <a:t>vah</a:t>
-            </a:r>
-            <a:endParaRPr lang="en-GB" sz="3600" dirty="0">
-              <a:solidFill>
-                <a:schemeClr val="bg1"/>
-              </a:solidFill>
-            </a:endParaRPr>
-          </a:p>
-          <a:p>
-            <a:endParaRPr lang="en-GB" sz="3600" dirty="0">
-              <a:solidFill>
-                <a:schemeClr val="bg1"/>
-              </a:solidFill>
-            </a:endParaRPr>
+              <a:t>Of Your servant David</a:t>
+            </a:r>
+          </a:p>
+          <a:p>
+            <a:r>
+              <a:rPr lang="en-GB" sz="3600" dirty="0">
+                <a:solidFill>
+                  <a:schemeClr val="bg1"/>
+                </a:solidFill>
+              </a:rPr>
+              <a:t>Rebuilding a temple of praise</a:t>
+            </a:r>
           </a:p>
         </p:txBody>
       </p:sp>
@@ -4248,8 +4713,8 @@
         </p:nvSpPr>
         <p:spPr>
           <a:xfrm>
-            <a:off x="8515302" y="-42193"/>
-            <a:ext cx="628698" cy="461665"/>
+            <a:off x="8388424" y="-42193"/>
+            <a:ext cx="784189" cy="461665"/>
           </a:xfrm>
           <a:prstGeom prst="rect">
             <a:avLst/>
@@ -4268,7 +4733,7 @@
                   <a:schemeClr val="bg1"/>
                 </a:solidFill>
               </a:rPr>
-              <a:t>8/8</a:t>
+              <a:t>8/11</a:t>
             </a:r>
           </a:p>
         </p:txBody>
@@ -4276,7 +4741,7 @@
     </p:spTree>
     <p:extLst>
       <p:ext uri="{BB962C8B-B14F-4D97-AF65-F5344CB8AC3E}">
-        <p14:creationId xmlns:p14="http://schemas.microsoft.com/office/powerpoint/2010/main" val="3696665895"/>
+        <p14:creationId xmlns:p14="http://schemas.microsoft.com/office/powerpoint/2010/main" val="3386586575"/>
       </p:ext>
     </p:extLst>
   </p:cSld>
